--- a/Projects/校企英才/DOC/校企英才数据库项目交付沟通暨功能演示.pptx
+++ b/Projects/校企英才/DOC/校企英才数据库项目交付沟通暨功能演示.pptx
@@ -230,7 +230,7 @@
           <a:p>
             <a:fld id="{3188D30C-EE0C-44B4-8F3D-D4FD492E2A89}" type="datetimeFigureOut">
               <a:rPr lang="zh-CN" altLang="en-US" smtClean="0"/>
-              <a:t>2012/11/19 Monday</a:t>
+              <a:t>2012/11/20 Tuesday</a:t>
             </a:fld>
             <a:endParaRPr lang="zh-CN" altLang="en-US"/>
           </a:p>
@@ -13859,11 +13859,17 @@
               <a:pPr algn="ctr" eaLnBrk="0" hangingPunct="0"/>
               <a:r>
                 <a:rPr lang="zh-CN" altLang="en-US" sz="1600" dirty="0" smtClean="0">
+                  <a:solidFill>
+                    <a:srgbClr val="FF0000"/>
+                  </a:solidFill>
                   <a:ea typeface="宋体" charset="-122"/>
                 </a:rPr>
                 <a:t>数据库管理系统</a:t>
               </a:r>
               <a:endParaRPr lang="en-US" altLang="zh-CN" sz="1600" dirty="0">
+                <a:solidFill>
+                  <a:srgbClr val="FF0000"/>
+                </a:solidFill>
                 <a:ea typeface="宋体" charset="-122"/>
               </a:endParaRPr>
             </a:p>
@@ -14810,18 +14816,7 @@
                           <a:ea typeface="+mn-ea"/>
                           <a:cs typeface="+mn-cs"/>
                         </a:rPr>
-                        <a:t>信息化基础</a:t>
-                      </a:r>
-                      <a:r>
-                        <a:rPr lang="zh-CN" altLang="en-US" sz="1800" b="1" kern="1200" dirty="0" smtClean="0">
-                          <a:solidFill>
-                            <a:schemeClr val="tx1"/>
-                          </a:solidFill>
-                          <a:latin typeface="+mn-ea"/>
-                          <a:ea typeface="+mn-ea"/>
-                          <a:cs typeface="+mn-cs"/>
-                        </a:rPr>
-                        <a:t>设施</a:t>
+                        <a:t>信息化基础设施</a:t>
                       </a:r>
                       <a:endParaRPr lang="en-US" altLang="zh-CN" sz="1800" b="1" kern="1200" dirty="0" smtClean="0">
                         <a:solidFill>
@@ -15635,14 +15630,6 @@
                         </a:rPr>
                         <a:t>15-20%</a:t>
                       </a:r>
-                      <a:endParaRPr lang="en-US" altLang="zh-CN" sz="1800" b="1" kern="1200" dirty="0" smtClean="0">
-                        <a:solidFill>
-                          <a:schemeClr val="tx1"/>
-                        </a:solidFill>
-                        <a:latin typeface="+mn-ea"/>
-                        <a:ea typeface="+mn-ea"/>
-                        <a:cs typeface="+mn-cs"/>
-                      </a:endParaRPr>
                     </a:p>
                   </a:txBody>
                   <a:tcPr anchor="ctr" horzOverflow="overflow">
@@ -16141,7 +16128,7 @@
                   </a:solidFill>
                   <a:ea typeface="宋体" charset="-122"/>
                 </a:rPr>
-                <a:t>9</a:t>
+                <a:t>8+</a:t>
               </a:r>
               <a:r>
                 <a:rPr lang="zh-CN" altLang="en-US" sz="1600" dirty="0" smtClean="0">

--- a/Projects/校企英才/DOC/校企英才数据库项目交付沟通暨功能演示.pptx
+++ b/Projects/校企英才/DOC/校企英才数据库项目交付沟通暨功能演示.pptx
@@ -145,6 +145,36 @@
       </a:defRPr>
     </a:lvl9pPr>
   </p:defaultTextStyle>
+  <p:extLst>
+    <p:ext uri="{EFAFB233-063F-42B5-8137-9DF3F51BA10A}">
+      <p15:sldGuideLst xmlns:p15="http://schemas.microsoft.com/office/powerpoint/2012/main">
+        <p15:guide id="1" orient="horz" pos="2160">
+          <p15:clr>
+            <a:srgbClr val="A4A3A4"/>
+          </p15:clr>
+        </p15:guide>
+        <p15:guide id="2" pos="2880">
+          <p15:clr>
+            <a:srgbClr val="A4A3A4"/>
+          </p15:clr>
+        </p15:guide>
+      </p15:sldGuideLst>
+    </p:ext>
+    <p:ext uri="{2D200454-40CA-4A62-9FC3-DE9A4176ACB9}">
+      <p15:notesGuideLst xmlns:p15="http://schemas.microsoft.com/office/powerpoint/2012/main">
+        <p15:guide id="1" orient="horz" pos="2880">
+          <p15:clr>
+            <a:srgbClr val="A4A3A4"/>
+          </p15:clr>
+        </p15:guide>
+        <p15:guide id="2" pos="2160">
+          <p15:clr>
+            <a:srgbClr val="A4A3A4"/>
+          </p15:clr>
+        </p15:guide>
+      </p15:notesGuideLst>
+    </p:ext>
+  </p:extLst>
 </p:presentation>
 </file>
 
@@ -230,7 +260,7 @@
           <a:p>
             <a:fld id="{3188D30C-EE0C-44B4-8F3D-D4FD492E2A89}" type="datetimeFigureOut">
               <a:rPr lang="zh-CN" altLang="en-US" smtClean="0"/>
-              <a:t>2012/11/20 Tuesday</a:t>
+              <a:t>2013/3/28 Thursday</a:t>
             </a:fld>
             <a:endParaRPr lang="zh-CN" altLang="en-US"/>
           </a:p>
@@ -14297,7 +14327,7 @@
           <p:nvPr>
             <p:extLst>
               <p:ext uri="{D42A27DB-BD31-4B8C-83A1-F6EECF244321}">
-                <p14:modId xmlns:p14="http://schemas.microsoft.com/office/powerpoint/2010/main" val="3292442445"/>
+                <p14:modId xmlns:p14="http://schemas.microsoft.com/office/powerpoint/2010/main" val="2332810276"/>
               </p:ext>
             </p:extLst>
           </p:nvPr>
@@ -14910,8 +14940,16 @@
                           <a:ea typeface="+mn-ea"/>
                           <a:cs typeface="+mn-cs"/>
                         </a:rPr>
-                        <a:t>48062</a:t>
+                        <a:t>62458</a:t>
                       </a:r>
+                      <a:endParaRPr lang="en-US" altLang="zh-CN" sz="1800" b="1" kern="1200" dirty="0" smtClean="0">
+                        <a:solidFill>
+                          <a:schemeClr val="tx1"/>
+                        </a:solidFill>
+                        <a:latin typeface="+mn-ea"/>
+                        <a:ea typeface="+mn-ea"/>
+                        <a:cs typeface="+mn-cs"/>
+                      </a:endParaRPr>
                     </a:p>
                   </a:txBody>
                   <a:tcPr anchor="ctr" horzOverflow="overflow">
@@ -14996,8 +15034,16 @@
                           <a:ea typeface="+mn-ea"/>
                           <a:cs typeface="+mn-cs"/>
                         </a:rPr>
-                        <a:t>13535</a:t>
+                        <a:t>18535</a:t>
                       </a:r>
+                      <a:endParaRPr lang="en-US" altLang="zh-CN" sz="1800" b="1" kern="1200" dirty="0" smtClean="0">
+                        <a:solidFill>
+                          <a:schemeClr val="tx1"/>
+                        </a:solidFill>
+                        <a:latin typeface="+mn-ea"/>
+                        <a:ea typeface="+mn-ea"/>
+                        <a:cs typeface="+mn-cs"/>
+                      </a:endParaRPr>
                     </a:p>
                   </a:txBody>
                   <a:tcPr anchor="ctr" horzOverflow="overflow">
@@ -15082,8 +15128,16 @@
                           <a:ea typeface="+mn-ea"/>
                           <a:cs typeface="+mn-cs"/>
                         </a:rPr>
-                        <a:t>31.07%</a:t>
+                        <a:t>29.69%</a:t>
                       </a:r>
+                      <a:endParaRPr lang="en-US" altLang="zh-CN" sz="1800" b="1" kern="1200" dirty="0" smtClean="0">
+                        <a:solidFill>
+                          <a:schemeClr val="tx1"/>
+                        </a:solidFill>
+                        <a:latin typeface="+mn-ea"/>
+                        <a:ea typeface="+mn-ea"/>
+                        <a:cs typeface="+mn-cs"/>
+                      </a:endParaRPr>
                     </a:p>
                   </a:txBody>
                   <a:tcPr anchor="ctr" horzOverflow="overflow">
@@ -15359,8 +15413,16 @@
                           <a:ea typeface="+mn-ea"/>
                           <a:cs typeface="+mn-cs"/>
                         </a:rPr>
-                        <a:t>19566</a:t>
+                        <a:t>21172</a:t>
                       </a:r>
+                      <a:endParaRPr lang="en-US" altLang="zh-CN" sz="1800" b="1" kern="1200" dirty="0" smtClean="0">
+                        <a:solidFill>
+                          <a:schemeClr val="tx1"/>
+                        </a:solidFill>
+                        <a:latin typeface="+mn-ea"/>
+                        <a:ea typeface="+mn-ea"/>
+                        <a:cs typeface="+mn-cs"/>
+                      </a:endParaRPr>
                     </a:p>
                   </a:txBody>
                   <a:tcPr anchor="ctr" horzOverflow="overflow">
@@ -15445,8 +15507,16 @@
                           <a:ea typeface="+mn-ea"/>
                           <a:cs typeface="+mn-cs"/>
                         </a:rPr>
-                        <a:t>5072</a:t>
+                        <a:t>6073</a:t>
                       </a:r>
+                      <a:endParaRPr lang="en-US" altLang="zh-CN" sz="1800" b="1" kern="1200" dirty="0" smtClean="0">
+                        <a:solidFill>
+                          <a:schemeClr val="tx1"/>
+                        </a:solidFill>
+                        <a:latin typeface="+mn-ea"/>
+                        <a:ea typeface="+mn-ea"/>
+                        <a:cs typeface="+mn-cs"/>
+                      </a:endParaRPr>
                     </a:p>
                   </a:txBody>
                   <a:tcPr anchor="ctr" horzOverflow="overflow">
@@ -15531,8 +15601,16 @@
                           <a:ea typeface="+mn-ea"/>
                           <a:cs typeface="+mn-cs"/>
                         </a:rPr>
-                        <a:t>25.93%</a:t>
+                        <a:t>28.68%</a:t>
                       </a:r>
+                      <a:endParaRPr lang="en-US" altLang="zh-CN" sz="1800" b="1" kern="1200" dirty="0" smtClean="0">
+                        <a:solidFill>
+                          <a:schemeClr val="tx1"/>
+                        </a:solidFill>
+                        <a:latin typeface="+mn-ea"/>
+                        <a:ea typeface="+mn-ea"/>
+                        <a:cs typeface="+mn-cs"/>
+                      </a:endParaRPr>
                     </a:p>
                   </a:txBody>
                   <a:tcPr anchor="ctr" horzOverflow="overflow">
@@ -16119,7 +16197,16 @@
                   </a:solidFill>
                   <a:ea typeface="宋体" charset="-122"/>
                 </a:rPr>
-                <a:t>个人，共计</a:t>
+                <a:t>个人，</a:t>
+              </a:r>
+              <a:r>
+                <a:rPr lang="zh-CN" altLang="en-US" sz="1600" dirty="0" smtClean="0">
+                  <a:solidFill>
+                    <a:srgbClr val="000000"/>
+                  </a:solidFill>
+                  <a:ea typeface="宋体" charset="-122"/>
+                </a:rPr>
+                <a:t>共计</a:t>
               </a:r>
               <a:r>
                 <a:rPr lang="en-US" altLang="zh-CN" sz="1600" dirty="0" smtClean="0">
@@ -16128,7 +16215,7 @@
                   </a:solidFill>
                   <a:ea typeface="宋体" charset="-122"/>
                 </a:rPr>
-                <a:t>8+</a:t>
+                <a:t>12+</a:t>
               </a:r>
               <a:r>
                 <a:rPr lang="zh-CN" altLang="en-US" sz="1600" dirty="0" smtClean="0">
@@ -16556,7 +16643,16 @@
                   </a:solidFill>
                   <a:ea typeface="宋体" charset="-122"/>
                 </a:rPr>
-                <a:t>总有效代码行</a:t>
+                <a:t>总有效代码</a:t>
+              </a:r>
+              <a:r>
+                <a:rPr lang="zh-CN" altLang="en-US" dirty="0" smtClean="0">
+                  <a:solidFill>
+                    <a:srgbClr val="000000"/>
+                  </a:solidFill>
+                  <a:ea typeface="宋体" charset="-122"/>
+                </a:rPr>
+                <a:t>行</a:t>
               </a:r>
               <a:r>
                 <a:rPr lang="en-US" altLang="zh-CN" dirty="0" smtClean="0">
@@ -16565,7 +16661,7 @@
                   </a:solidFill>
                   <a:ea typeface="宋体" charset="-122"/>
                 </a:rPr>
-                <a:t>67628</a:t>
+                <a:t>83630</a:t>
               </a:r>
               <a:r>
                 <a:rPr lang="zh-CN" altLang="en-US" dirty="0" smtClean="0">
@@ -16574,7 +16670,16 @@
                   </a:solidFill>
                   <a:ea typeface="宋体" charset="-122"/>
                 </a:rPr>
-                <a:t>行，以业界平均</a:t>
+                <a:t>行</a:t>
+              </a:r>
+              <a:r>
+                <a:rPr lang="zh-CN" altLang="en-US" dirty="0" smtClean="0">
+                  <a:solidFill>
+                    <a:srgbClr val="000000"/>
+                  </a:solidFill>
+                  <a:ea typeface="宋体" charset="-122"/>
+                </a:rPr>
+                <a:t>，以业界平均</a:t>
               </a:r>
               <a:r>
                 <a:rPr lang="en-US" altLang="zh-CN" dirty="0" smtClean="0">
@@ -16619,7 +16724,7 @@
                   </a:solidFill>
                   <a:ea typeface="宋体" charset="-122"/>
                 </a:rPr>
-                <a:t>20.97</a:t>
+                <a:t>26</a:t>
               </a:r>
               <a:r>
                 <a:rPr lang="zh-CN" altLang="en-US" dirty="0" smtClean="0">
@@ -16628,7 +16733,16 @@
                   </a:solidFill>
                   <a:ea typeface="宋体" charset="-122"/>
                 </a:rPr>
-                <a:t>人月</a:t>
+                <a:t>人</a:t>
+              </a:r>
+              <a:r>
+                <a:rPr lang="zh-CN" altLang="en-US" dirty="0" smtClean="0">
+                  <a:solidFill>
+                    <a:srgbClr val="000000"/>
+                  </a:solidFill>
+                  <a:ea typeface="宋体" charset="-122"/>
+                </a:rPr>
+                <a:t>月</a:t>
               </a:r>
               <a:endParaRPr lang="en-US" altLang="zh-CN" dirty="0">
                 <a:solidFill>
